--- a/pendulum/IPR 1.pptx
+++ b/pendulum/IPR 1.pptx
@@ -8,11 +8,10 @@
     <p:sldId id="256" r:id="rId5"/>
     <p:sldId id="257" r:id="rId6"/>
     <p:sldId id="258" r:id="rId7"/>
-    <p:sldId id="259" r:id="rId8"/>
-    <p:sldId id="260" r:id="rId9"/>
-    <p:sldId id="261" r:id="rId10"/>
-    <p:sldId id="262" r:id="rId11"/>
-    <p:sldId id="263" r:id="rId12"/>
+    <p:sldId id="260" r:id="rId8"/>
+    <p:sldId id="261" r:id="rId9"/>
+    <p:sldId id="262" r:id="rId10"/>
+    <p:sldId id="264" r:id="rId11"/>
   </p:sldIdLst>
   <p:sldSz cx="12192000" cy="6858000"/>
   <p:notesSz cx="6858000" cy="9144000"/>
@@ -111,13 +110,18 @@
       </a:defRPr>
     </a:lvl9pPr>
   </p:defaultTextStyle>
+  <p:extLst>
+    <p:ext uri="{EFAFB233-063F-42B5-8137-9DF3F51BA10A}">
+      <p15:sldGuideLst xmlns:p15="http://schemas.microsoft.com/office/powerpoint/2012/main"/>
+    </p:ext>
+  </p:extLst>
 </p:presentation>
 </file>
 
 <file path=ppt/revisionInfo.xml><?xml version="1.0" encoding="utf-8"?>
 <p1510:revInfo xmlns:a="http://schemas.openxmlformats.org/drawingml/2006/main" xmlns:r="http://schemas.openxmlformats.org/officeDocument/2006/relationships" xmlns:p1510="http://schemas.microsoft.com/office/powerpoint/2015/10/main">
   <p1510:revLst>
-    <p1510:client id="{C1C619DD-8AAB-4C1E-B9C6-9EE112CC8E81}" v="4" dt="2020-03-18T23:52:41.288"/>
+    <p1510:client id="{C1C619DD-8AAB-4C1E-B9C6-9EE112CC8E81}" v="30" dt="2020-03-19T02:30:29.270"/>
   </p1510:revLst>
 </p1510:revInfo>
 </file>
@@ -126,8 +130,8 @@
 <pc:chgInfo xmlns:a="http://schemas.openxmlformats.org/drawingml/2006/main" xmlns:r="http://schemas.openxmlformats.org/officeDocument/2006/relationships" xmlns:ac="http://schemas.microsoft.com/office/drawing/2013/main/command" xmlns:pc="http://schemas.microsoft.com/office/powerpoint/2013/main/command">
   <pc:docChgLst>
     <pc:chgData name="Swain, Wesley J CDT 2020" userId="6141ab07-eb37-4315-a770-4367378b3ee6" providerId="ADAL" clId="{C1C619DD-8AAB-4C1E-B9C6-9EE112CC8E81}"/>
-    <pc:docChg chg="custSel addSld delSld modSld">
-      <pc:chgData name="Swain, Wesley J CDT 2020" userId="6141ab07-eb37-4315-a770-4367378b3ee6" providerId="ADAL" clId="{C1C619DD-8AAB-4C1E-B9C6-9EE112CC8E81}" dt="2020-03-18T23:54:28.034" v="254" actId="20577"/>
+    <pc:docChg chg="undo custSel addSld delSld modSld">
+      <pc:chgData name="Swain, Wesley J CDT 2020" userId="6141ab07-eb37-4315-a770-4367378b3ee6" providerId="ADAL" clId="{C1C619DD-8AAB-4C1E-B9C6-9EE112CC8E81}" dt="2020-03-19T04:24:52.152" v="2868" actId="20577"/>
       <pc:docMkLst>
         <pc:docMk/>
       </pc:docMkLst>
@@ -154,8 +158,39 @@
           </ac:spMkLst>
         </pc:spChg>
       </pc:sldChg>
+      <pc:sldChg chg="addSp delSp modSp">
+        <pc:chgData name="Swain, Wesley J CDT 2020" userId="6141ab07-eb37-4315-a770-4367378b3ee6" providerId="ADAL" clId="{C1C619DD-8AAB-4C1E-B9C6-9EE112CC8E81}" dt="2020-03-19T00:45:47.366" v="1246" actId="20577"/>
+        <pc:sldMkLst>
+          <pc:docMk/>
+          <pc:sldMk cId="638364669" sldId="257"/>
+        </pc:sldMkLst>
+        <pc:spChg chg="add del mod">
+          <ac:chgData name="Swain, Wesley J CDT 2020" userId="6141ab07-eb37-4315-a770-4367378b3ee6" providerId="ADAL" clId="{C1C619DD-8AAB-4C1E-B9C6-9EE112CC8E81}" dt="2020-03-19T00:45:47.366" v="1246" actId="20577"/>
+          <ac:spMkLst>
+            <pc:docMk/>
+            <pc:sldMk cId="638364669" sldId="257"/>
+            <ac:spMk id="3" creationId="{AF59F887-131E-4075-9252-E66D22210D70}"/>
+          </ac:spMkLst>
+        </pc:spChg>
+        <pc:picChg chg="add del mod">
+          <ac:chgData name="Swain, Wesley J CDT 2020" userId="6141ab07-eb37-4315-a770-4367378b3ee6" providerId="ADAL" clId="{C1C619DD-8AAB-4C1E-B9C6-9EE112CC8E81}" dt="2020-03-19T00:30:34.432" v="263"/>
+          <ac:picMkLst>
+            <pc:docMk/>
+            <pc:sldMk cId="638364669" sldId="257"/>
+            <ac:picMk id="5" creationId="{4EE802B9-B1D7-44CF-A702-72B289BAC039}"/>
+          </ac:picMkLst>
+        </pc:picChg>
+        <pc:picChg chg="add mod">
+          <ac:chgData name="Swain, Wesley J CDT 2020" userId="6141ab07-eb37-4315-a770-4367378b3ee6" providerId="ADAL" clId="{C1C619DD-8AAB-4C1E-B9C6-9EE112CC8E81}" dt="2020-03-19T00:31:00.991" v="272" actId="14100"/>
+          <ac:picMkLst>
+            <pc:docMk/>
+            <pc:sldMk cId="638364669" sldId="257"/>
+            <ac:picMk id="7" creationId="{4FE75355-3EBF-4D7F-948F-80F40B1E38DE}"/>
+          </ac:picMkLst>
+        </pc:picChg>
+      </pc:sldChg>
       <pc:sldChg chg="modSp">
-        <pc:chgData name="Swain, Wesley J CDT 2020" userId="6141ab07-eb37-4315-a770-4367378b3ee6" providerId="ADAL" clId="{C1C619DD-8AAB-4C1E-B9C6-9EE112CC8E81}" dt="2020-03-18T23:49:15.223" v="35" actId="20577"/>
+        <pc:chgData name="Swain, Wesley J CDT 2020" userId="6141ab07-eb37-4315-a770-4367378b3ee6" providerId="ADAL" clId="{C1C619DD-8AAB-4C1E-B9C6-9EE112CC8E81}" dt="2020-03-19T00:48:03.053" v="1342" actId="20577"/>
         <pc:sldMkLst>
           <pc:docMk/>
           <pc:sldMk cId="2913438221" sldId="258"/>
@@ -168,9 +203,17 @@
             <ac:spMk id="2" creationId="{75063BAA-4EF7-4813-A95D-D2E326FCE3B6}"/>
           </ac:spMkLst>
         </pc:spChg>
+        <pc:spChg chg="mod">
+          <ac:chgData name="Swain, Wesley J CDT 2020" userId="6141ab07-eb37-4315-a770-4367378b3ee6" providerId="ADAL" clId="{C1C619DD-8AAB-4C1E-B9C6-9EE112CC8E81}" dt="2020-03-19T00:48:03.053" v="1342" actId="20577"/>
+          <ac:spMkLst>
+            <pc:docMk/>
+            <pc:sldMk cId="2913438221" sldId="258"/>
+            <ac:spMk id="3" creationId="{AF59F887-131E-4075-9252-E66D22210D70}"/>
+          </ac:spMkLst>
+        </pc:spChg>
       </pc:sldChg>
-      <pc:sldChg chg="modSp">
-        <pc:chgData name="Swain, Wesley J CDT 2020" userId="6141ab07-eb37-4315-a770-4367378b3ee6" providerId="ADAL" clId="{C1C619DD-8AAB-4C1E-B9C6-9EE112CC8E81}" dt="2020-03-18T23:50:54.831" v="57" actId="20577"/>
+      <pc:sldChg chg="modSp del">
+        <pc:chgData name="Swain, Wesley J CDT 2020" userId="6141ab07-eb37-4315-a770-4367378b3ee6" providerId="ADAL" clId="{C1C619DD-8AAB-4C1E-B9C6-9EE112CC8E81}" dt="2020-03-19T00:44:53.662" v="1216" actId="2696"/>
         <pc:sldMkLst>
           <pc:docMk/>
           <pc:sldMk cId="3779890060" sldId="259"/>
@@ -183,24 +226,64 @@
             <ac:spMk id="2" creationId="{75063BAA-4EF7-4813-A95D-D2E326FCE3B6}"/>
           </ac:spMkLst>
         </pc:spChg>
+        <pc:spChg chg="mod">
+          <ac:chgData name="Swain, Wesley J CDT 2020" userId="6141ab07-eb37-4315-a770-4367378b3ee6" providerId="ADAL" clId="{C1C619DD-8AAB-4C1E-B9C6-9EE112CC8E81}" dt="2020-03-19T00:44:16.702" v="1195" actId="5793"/>
+          <ac:spMkLst>
+            <pc:docMk/>
+            <pc:sldMk cId="3779890060" sldId="259"/>
+            <ac:spMk id="3" creationId="{AF59F887-131E-4075-9252-E66D22210D70}"/>
+          </ac:spMkLst>
+        </pc:spChg>
       </pc:sldChg>
-      <pc:sldChg chg="modSp">
-        <pc:chgData name="Swain, Wesley J CDT 2020" userId="6141ab07-eb37-4315-a770-4367378b3ee6" providerId="ADAL" clId="{C1C619DD-8AAB-4C1E-B9C6-9EE112CC8E81}" dt="2020-03-18T23:51:28.881" v="89" actId="20577"/>
+      <pc:sldChg chg="addSp delSp modSp">
+        <pc:chgData name="Swain, Wesley J CDT 2020" userId="6141ab07-eb37-4315-a770-4367378b3ee6" providerId="ADAL" clId="{C1C619DD-8AAB-4C1E-B9C6-9EE112CC8E81}" dt="2020-03-19T02:27:12.060" v="1886" actId="20577"/>
         <pc:sldMkLst>
           <pc:docMk/>
           <pc:sldMk cId="607184158" sldId="260"/>
         </pc:sldMkLst>
         <pc:spChg chg="mod">
-          <ac:chgData name="Swain, Wesley J CDT 2020" userId="6141ab07-eb37-4315-a770-4367378b3ee6" providerId="ADAL" clId="{C1C619DD-8AAB-4C1E-B9C6-9EE112CC8E81}" dt="2020-03-18T23:51:28.881" v="89" actId="20577"/>
+          <ac:chgData name="Swain, Wesley J CDT 2020" userId="6141ab07-eb37-4315-a770-4367378b3ee6" providerId="ADAL" clId="{C1C619DD-8AAB-4C1E-B9C6-9EE112CC8E81}" dt="2020-03-19T02:24:29.340" v="1748" actId="20577"/>
           <ac:spMkLst>
             <pc:docMk/>
             <pc:sldMk cId="607184158" sldId="260"/>
             <ac:spMk id="2" creationId="{75063BAA-4EF7-4813-A95D-D2E326FCE3B6}"/>
           </ac:spMkLst>
         </pc:spChg>
+        <pc:spChg chg="add del mod">
+          <ac:chgData name="Swain, Wesley J CDT 2020" userId="6141ab07-eb37-4315-a770-4367378b3ee6" providerId="ADAL" clId="{C1C619DD-8AAB-4C1E-B9C6-9EE112CC8E81}" dt="2020-03-19T02:27:12.060" v="1886" actId="20577"/>
+          <ac:spMkLst>
+            <pc:docMk/>
+            <pc:sldMk cId="607184158" sldId="260"/>
+            <ac:spMk id="3" creationId="{AF59F887-131E-4075-9252-E66D22210D70}"/>
+          </ac:spMkLst>
+        </pc:spChg>
+        <pc:picChg chg="add del mod">
+          <ac:chgData name="Swain, Wesley J CDT 2020" userId="6141ab07-eb37-4315-a770-4367378b3ee6" providerId="ADAL" clId="{C1C619DD-8AAB-4C1E-B9C6-9EE112CC8E81}" dt="2020-03-19T02:19:21.650" v="1442"/>
+          <ac:picMkLst>
+            <pc:docMk/>
+            <pc:sldMk cId="607184158" sldId="260"/>
+            <ac:picMk id="4" creationId="{9D8D4EEF-EED1-46A1-AA24-91EE849F5C21}"/>
+          </ac:picMkLst>
+        </pc:picChg>
+        <pc:picChg chg="add mod">
+          <ac:chgData name="Swain, Wesley J CDT 2020" userId="6141ab07-eb37-4315-a770-4367378b3ee6" providerId="ADAL" clId="{C1C619DD-8AAB-4C1E-B9C6-9EE112CC8E81}" dt="2020-03-19T02:23:42.686" v="1732" actId="1076"/>
+          <ac:picMkLst>
+            <pc:docMk/>
+            <pc:sldMk cId="607184158" sldId="260"/>
+            <ac:picMk id="5" creationId="{827BCD5A-0355-4D80-908D-27BB54C4777E}"/>
+          </ac:picMkLst>
+        </pc:picChg>
+        <pc:picChg chg="add mod">
+          <ac:chgData name="Swain, Wesley J CDT 2020" userId="6141ab07-eb37-4315-a770-4367378b3ee6" providerId="ADAL" clId="{C1C619DD-8AAB-4C1E-B9C6-9EE112CC8E81}" dt="2020-03-19T02:24:14.380" v="1739" actId="1076"/>
+          <ac:picMkLst>
+            <pc:docMk/>
+            <pc:sldMk cId="607184158" sldId="260"/>
+            <ac:picMk id="1026" creationId="{3E60B90B-6ADF-421E-ADF5-727E61873099}"/>
+          </ac:picMkLst>
+        </pc:picChg>
       </pc:sldChg>
-      <pc:sldChg chg="modSp add">
-        <pc:chgData name="Swain, Wesley J CDT 2020" userId="6141ab07-eb37-4315-a770-4367378b3ee6" providerId="ADAL" clId="{C1C619DD-8AAB-4C1E-B9C6-9EE112CC8E81}" dt="2020-03-18T23:54:28.034" v="254" actId="20577"/>
+      <pc:sldChg chg="addSp modSp add">
+        <pc:chgData name="Swain, Wesley J CDT 2020" userId="6141ab07-eb37-4315-a770-4367378b3ee6" providerId="ADAL" clId="{C1C619DD-8AAB-4C1E-B9C6-9EE112CC8E81}" dt="2020-03-19T00:46:26.080" v="1251" actId="1076"/>
         <pc:sldMkLst>
           <pc:docMk/>
           <pc:sldMk cId="407072382" sldId="261"/>
@@ -213,6 +296,14 @@
             <ac:spMk id="2" creationId="{053295BC-BFCA-4A6F-8D14-7F3926435051}"/>
           </ac:spMkLst>
         </pc:spChg>
+        <pc:picChg chg="add mod">
+          <ac:chgData name="Swain, Wesley J CDT 2020" userId="6141ab07-eb37-4315-a770-4367378b3ee6" providerId="ADAL" clId="{C1C619DD-8AAB-4C1E-B9C6-9EE112CC8E81}" dt="2020-03-19T00:46:26.080" v="1251" actId="1076"/>
+          <ac:picMkLst>
+            <pc:docMk/>
+            <pc:sldMk cId="407072382" sldId="261"/>
+            <ac:picMk id="5" creationId="{309E3C37-2E24-4655-B1BA-E5D555385325}"/>
+          </ac:picMkLst>
+        </pc:picChg>
       </pc:sldChg>
       <pc:sldChg chg="del">
         <pc:chgData name="Swain, Wesley J CDT 2020" userId="6141ab07-eb37-4315-a770-4367378b3ee6" providerId="ADAL" clId="{C1C619DD-8AAB-4C1E-B9C6-9EE112CC8E81}" dt="2020-03-18T23:52:04.260" v="90" actId="2696"/>
@@ -222,7 +313,7 @@
         </pc:sldMkLst>
       </pc:sldChg>
       <pc:sldChg chg="modSp add">
-        <pc:chgData name="Swain, Wesley J CDT 2020" userId="6141ab07-eb37-4315-a770-4367378b3ee6" providerId="ADAL" clId="{C1C619DD-8AAB-4C1E-B9C6-9EE112CC8E81}" dt="2020-03-18T23:53:57.353" v="210" actId="20577"/>
+        <pc:chgData name="Swain, Wesley J CDT 2020" userId="6141ab07-eb37-4315-a770-4367378b3ee6" providerId="ADAL" clId="{C1C619DD-8AAB-4C1E-B9C6-9EE112CC8E81}" dt="2020-03-19T04:24:52.152" v="2868" actId="20577"/>
         <pc:sldMkLst>
           <pc:docMk/>
           <pc:sldMk cId="1678177483" sldId="262"/>
@@ -235,6 +326,14 @@
             <ac:spMk id="2" creationId="{75063BAA-4EF7-4813-A95D-D2E326FCE3B6}"/>
           </ac:spMkLst>
         </pc:spChg>
+        <pc:spChg chg="mod">
+          <ac:chgData name="Swain, Wesley J CDT 2020" userId="6141ab07-eb37-4315-a770-4367378b3ee6" providerId="ADAL" clId="{C1C619DD-8AAB-4C1E-B9C6-9EE112CC8E81}" dt="2020-03-19T04:24:52.152" v="2868" actId="20577"/>
+          <ac:spMkLst>
+            <pc:docMk/>
+            <pc:sldMk cId="1678177483" sldId="262"/>
+            <ac:spMk id="3" creationId="{AF59F887-131E-4075-9252-E66D22210D70}"/>
+          </ac:spMkLst>
+        </pc:spChg>
       </pc:sldChg>
       <pc:sldChg chg="add del">
         <pc:chgData name="Swain, Wesley J CDT 2020" userId="6141ab07-eb37-4315-a770-4367378b3ee6" providerId="ADAL" clId="{C1C619DD-8AAB-4C1E-B9C6-9EE112CC8E81}" dt="2020-03-18T23:52:24.172" v="94" actId="2696"/>
@@ -243,8 +342,15 @@
           <pc:sldMk cId="29901486" sldId="263"/>
         </pc:sldMkLst>
       </pc:sldChg>
-      <pc:sldChg chg="modSp add">
-        <pc:chgData name="Swain, Wesley J CDT 2020" userId="6141ab07-eb37-4315-a770-4367378b3ee6" providerId="ADAL" clId="{C1C619DD-8AAB-4C1E-B9C6-9EE112CC8E81}" dt="2020-03-18T23:53:05.281" v="151" actId="20577"/>
+      <pc:sldChg chg="add del">
+        <pc:chgData name="Swain, Wesley J CDT 2020" userId="6141ab07-eb37-4315-a770-4367378b3ee6" providerId="ADAL" clId="{C1C619DD-8AAB-4C1E-B9C6-9EE112CC8E81}" dt="2020-03-19T02:29:16.776" v="1889" actId="2696"/>
+        <pc:sldMkLst>
+          <pc:docMk/>
+          <pc:sldMk cId="632110681" sldId="263"/>
+        </pc:sldMkLst>
+      </pc:sldChg>
+      <pc:sldChg chg="modSp add del">
+        <pc:chgData name="Swain, Wesley J CDT 2020" userId="6141ab07-eb37-4315-a770-4367378b3ee6" providerId="ADAL" clId="{C1C619DD-8AAB-4C1E-B9C6-9EE112CC8E81}" dt="2020-03-19T02:25:16.521" v="1749" actId="2696"/>
         <pc:sldMkLst>
           <pc:docMk/>
           <pc:sldMk cId="4273743496" sldId="263"/>
@@ -257,6 +363,37 @@
             <ac:spMk id="2" creationId="{75063BAA-4EF7-4813-A95D-D2E326FCE3B6}"/>
           </ac:spMkLst>
         </pc:spChg>
+      </pc:sldChg>
+      <pc:sldChg chg="delSp modSp add">
+        <pc:chgData name="Swain, Wesley J CDT 2020" userId="6141ab07-eb37-4315-a770-4367378b3ee6" providerId="ADAL" clId="{C1C619DD-8AAB-4C1E-B9C6-9EE112CC8E81}" dt="2020-03-19T02:30:29.270" v="2013"/>
+        <pc:sldMkLst>
+          <pc:docMk/>
+          <pc:sldMk cId="1471971805" sldId="264"/>
+        </pc:sldMkLst>
+        <pc:spChg chg="mod">
+          <ac:chgData name="Swain, Wesley J CDT 2020" userId="6141ab07-eb37-4315-a770-4367378b3ee6" providerId="ADAL" clId="{C1C619DD-8AAB-4C1E-B9C6-9EE112CC8E81}" dt="2020-03-19T02:30:07.607" v="1986" actId="20577"/>
+          <ac:spMkLst>
+            <pc:docMk/>
+            <pc:sldMk cId="1471971805" sldId="264"/>
+            <ac:spMk id="2" creationId="{053295BC-BFCA-4A6F-8D14-7F3926435051}"/>
+          </ac:spMkLst>
+        </pc:spChg>
+        <pc:spChg chg="mod">
+          <ac:chgData name="Swain, Wesley J CDT 2020" userId="6141ab07-eb37-4315-a770-4367378b3ee6" providerId="ADAL" clId="{C1C619DD-8AAB-4C1E-B9C6-9EE112CC8E81}" dt="2020-03-19T02:30:29.270" v="2013"/>
+          <ac:spMkLst>
+            <pc:docMk/>
+            <pc:sldMk cId="1471971805" sldId="264"/>
+            <ac:spMk id="3" creationId="{B403C559-97D6-4E15-AE79-C8036102A6EA}"/>
+          </ac:spMkLst>
+        </pc:spChg>
+        <pc:picChg chg="del">
+          <ac:chgData name="Swain, Wesley J CDT 2020" userId="6141ab07-eb37-4315-a770-4367378b3ee6" providerId="ADAL" clId="{C1C619DD-8AAB-4C1E-B9C6-9EE112CC8E81}" dt="2020-03-19T02:29:19.331" v="1890" actId="478"/>
+          <ac:picMkLst>
+            <pc:docMk/>
+            <pc:sldMk cId="1471971805" sldId="264"/>
+            <ac:picMk id="5" creationId="{309E3C37-2E24-4655-B1BA-E5D555385325}"/>
+          </ac:picMkLst>
+        </pc:picChg>
       </pc:sldChg>
     </pc:docChg>
   </pc:docChgLst>
@@ -3674,18 +3811,129 @@
             <p:ph idx="1"/>
           </p:nvPr>
         </p:nvSpPr>
-        <p:spPr/>
-        <p:txBody>
-          <a:bodyPr/>
-          <a:lstStyle/>
-          <a:p>
-            <a:endParaRPr lang="en-US" dirty="0">
-              <a:latin typeface="Arial" panose="020B0604020202020204" pitchFamily="34" charset="0"/>
-              <a:cs typeface="Arial" panose="020B0604020202020204" pitchFamily="34" charset="0"/>
-            </a:endParaRPr>
-          </a:p>
-        </p:txBody>
-      </p:sp>
+        <p:spPr>
+          <a:xfrm>
+            <a:off x="838200" y="1825625"/>
+            <a:ext cx="7587343" cy="4351338"/>
+          </a:xfrm>
+        </p:spPr>
+        <p:txBody>
+          <a:bodyPr/>
+          <a:lstStyle/>
+          <a:p>
+            <a:r>
+              <a:rPr lang="en-US" dirty="0" err="1">
+                <a:latin typeface="Arial" panose="020B0604020202020204" pitchFamily="34" charset="0"/>
+                <a:cs typeface="Arial" panose="020B0604020202020204" pitchFamily="34" charset="0"/>
+              </a:rPr>
+              <a:t>Quanser</a:t>
+            </a:r>
+            <a:r>
+              <a:rPr lang="en-US" dirty="0">
+                <a:latin typeface="Arial" panose="020B0604020202020204" pitchFamily="34" charset="0"/>
+                <a:cs typeface="Arial" panose="020B0604020202020204" pitchFamily="34" charset="0"/>
+              </a:rPr>
+              <a:t> Rotary Inverted Pendulum</a:t>
+            </a:r>
+          </a:p>
+          <a:p>
+            <a:r>
+              <a:rPr lang="en-US" dirty="0">
+                <a:latin typeface="Arial" panose="020B0604020202020204" pitchFamily="34" charset="0"/>
+                <a:cs typeface="Arial" panose="020B0604020202020204" pitchFamily="34" charset="0"/>
+              </a:rPr>
+              <a:t>Hardware availability</a:t>
+            </a:r>
+          </a:p>
+          <a:p>
+            <a:r>
+              <a:rPr lang="en-US" dirty="0">
+                <a:latin typeface="Arial" panose="020B0604020202020204" pitchFamily="34" charset="0"/>
+                <a:cs typeface="Arial" panose="020B0604020202020204" pitchFamily="34" charset="0"/>
+              </a:rPr>
+              <a:t>Project goal (plan for use)</a:t>
+            </a:r>
+          </a:p>
+          <a:p>
+            <a:r>
+              <a:rPr lang="en-US" dirty="0">
+                <a:latin typeface="Arial" panose="020B0604020202020204" pitchFamily="34" charset="0"/>
+                <a:cs typeface="Arial" panose="020B0604020202020204" pitchFamily="34" charset="0"/>
+              </a:rPr>
+              <a:t>Model output</a:t>
+            </a:r>
+          </a:p>
+          <a:p>
+            <a:r>
+              <a:rPr lang="en-US" dirty="0">
+                <a:latin typeface="Arial" panose="020B0604020202020204" pitchFamily="34" charset="0"/>
+                <a:cs typeface="Arial" panose="020B0604020202020204" pitchFamily="34" charset="0"/>
+              </a:rPr>
+              <a:t>Training for task</a:t>
+            </a:r>
+          </a:p>
+          <a:p>
+            <a:pPr marL="0" indent="0">
+              <a:buNone/>
+            </a:pPr>
+            <a:r>
+              <a:rPr lang="en-US" dirty="0">
+                <a:latin typeface="Arial" panose="020B0604020202020204" pitchFamily="34" charset="0"/>
+                <a:cs typeface="Arial" panose="020B0604020202020204" pitchFamily="34" charset="0"/>
+              </a:rPr>
+              <a:t>	- Online</a:t>
+            </a:r>
+          </a:p>
+          <a:p>
+            <a:pPr marL="0" indent="0">
+              <a:buNone/>
+            </a:pPr>
+            <a:r>
+              <a:rPr lang="en-US" dirty="0">
+                <a:latin typeface="Arial" panose="020B0604020202020204" pitchFamily="34" charset="0"/>
+                <a:cs typeface="Arial" panose="020B0604020202020204" pitchFamily="34" charset="0"/>
+              </a:rPr>
+              <a:t>	- Offline</a:t>
+            </a:r>
+          </a:p>
+        </p:txBody>
+      </p:sp>
+      <p:pic>
+        <p:nvPicPr>
+          <p:cNvPr id="7" name="Picture 6" descr="A close up of a blue wall&#10;&#10;Description automatically generated">
+            <a:extLst>
+              <a:ext uri="{FF2B5EF4-FFF2-40B4-BE49-F238E27FC236}">
+                <a16:creationId xmlns:a16="http://schemas.microsoft.com/office/drawing/2014/main" id="{4FE75355-3EBF-4D7F-948F-80F40B1E38DE}"/>
+              </a:ext>
+            </a:extLst>
+          </p:cNvPr>
+          <p:cNvPicPr>
+            <a:picLocks noChangeAspect="1"/>
+          </p:cNvPicPr>
+          <p:nvPr/>
+        </p:nvPicPr>
+        <p:blipFill>
+          <a:blip r:embed="rId2">
+            <a:extLst>
+              <a:ext uri="{28A0092B-C50C-407E-A947-70E740481C1C}">
+                <a14:useLocalDpi xmlns:a14="http://schemas.microsoft.com/office/drawing/2010/main" val="0"/>
+              </a:ext>
+            </a:extLst>
+          </a:blip>
+          <a:stretch>
+            <a:fillRect/>
+          </a:stretch>
+        </p:blipFill>
+        <p:spPr>
+          <a:xfrm>
+            <a:off x="8425543" y="1825624"/>
+            <a:ext cx="2928257" cy="4349503"/>
+          </a:xfrm>
+          <a:prstGeom prst="rect">
+            <a:avLst/>
+          </a:prstGeom>
+        </p:spPr>
+      </p:pic>
     </p:spTree>
     <p:extLst>
       <p:ext uri="{BB962C8B-B14F-4D97-AF65-F5344CB8AC3E}">
@@ -3765,13 +4013,118 @@
         </p:nvSpPr>
         <p:spPr/>
         <p:txBody>
-          <a:bodyPr/>
-          <a:lstStyle/>
-          <a:p>
-            <a:endParaRPr lang="en-US" dirty="0">
-              <a:latin typeface="Arial" panose="020B0604020202020204" pitchFamily="34" charset="0"/>
-              <a:cs typeface="Arial" panose="020B0604020202020204" pitchFamily="34" charset="0"/>
-            </a:endParaRPr>
+          <a:bodyPr>
+            <a:normAutofit lnSpcReduction="10000"/>
+          </a:bodyPr>
+          <a:lstStyle/>
+          <a:p>
+            <a:r>
+              <a:rPr lang="en-US" dirty="0">
+                <a:latin typeface="Arial" panose="020B0604020202020204" pitchFamily="34" charset="0"/>
+                <a:cs typeface="Arial" panose="020B0604020202020204" pitchFamily="34" charset="0"/>
+              </a:rPr>
+              <a:t>Reinforcement Learning</a:t>
+            </a:r>
+          </a:p>
+          <a:p>
+            <a:pPr marL="0" indent="0">
+              <a:buNone/>
+            </a:pPr>
+            <a:r>
+              <a:rPr lang="en-US" dirty="0">
+                <a:latin typeface="Arial" panose="020B0604020202020204" pitchFamily="34" charset="0"/>
+                <a:cs typeface="Arial" panose="020B0604020202020204" pitchFamily="34" charset="0"/>
+              </a:rPr>
+              <a:t>	- Open AI: Spinning Up in Deep RL</a:t>
+            </a:r>
+          </a:p>
+          <a:p>
+            <a:pPr marL="0" indent="0">
+              <a:buNone/>
+            </a:pPr>
+            <a:r>
+              <a:rPr lang="en-US" dirty="0">
+                <a:latin typeface="Arial" panose="020B0604020202020204" pitchFamily="34" charset="0"/>
+                <a:cs typeface="Arial" panose="020B0604020202020204" pitchFamily="34" charset="0"/>
+              </a:rPr>
+              <a:t>	- Model training (understanding intermediate data)</a:t>
+            </a:r>
+          </a:p>
+          <a:p>
+            <a:pPr marL="0" indent="0">
+              <a:buNone/>
+            </a:pPr>
+            <a:r>
+              <a:rPr lang="en-US" dirty="0">
+                <a:latin typeface="Arial" panose="020B0604020202020204" pitchFamily="34" charset="0"/>
+                <a:cs typeface="Arial" panose="020B0604020202020204" pitchFamily="34" charset="0"/>
+              </a:rPr>
+              <a:t>	- Proximal Policy Optimization (on-policy, discrete actions)</a:t>
+            </a:r>
+          </a:p>
+          <a:p>
+            <a:pPr marL="0" indent="0">
+              <a:buNone/>
+            </a:pPr>
+            <a:r>
+              <a:rPr lang="en-US" dirty="0">
+                <a:latin typeface="Arial" panose="020B0604020202020204" pitchFamily="34" charset="0"/>
+                <a:cs typeface="Arial" panose="020B0604020202020204" pitchFamily="34" charset="0"/>
+              </a:rPr>
+              <a:t>	- </a:t>
+            </a:r>
+            <a:r>
+              <a:rPr lang="en-US" dirty="0">
+                <a:hlinkClick r:id="rId2"/>
+              </a:rPr>
+              <a:t>https://spinningup.openai.com/en/latest/index.html</a:t>
+            </a:r>
+            <a:endParaRPr lang="en-US" dirty="0"/>
+          </a:p>
+          <a:p>
+            <a:r>
+              <a:rPr lang="en-US" dirty="0">
+                <a:latin typeface="Arial" panose="020B0604020202020204" pitchFamily="34" charset="0"/>
+                <a:cs typeface="Arial" panose="020B0604020202020204" pitchFamily="34" charset="0"/>
+              </a:rPr>
+              <a:t>Offline Learning</a:t>
+            </a:r>
+          </a:p>
+          <a:p>
+            <a:pPr marL="0" indent="0">
+              <a:buNone/>
+            </a:pPr>
+            <a:r>
+              <a:rPr lang="en-US" dirty="0">
+                <a:latin typeface="Arial" panose="020B0604020202020204" pitchFamily="34" charset="0"/>
+                <a:cs typeface="Arial" panose="020B0604020202020204" pitchFamily="34" charset="0"/>
+              </a:rPr>
+              <a:t>	- Extract model</a:t>
+            </a:r>
+          </a:p>
+          <a:p>
+            <a:pPr marL="0" indent="0">
+              <a:buNone/>
+            </a:pPr>
+            <a:r>
+              <a:rPr lang="en-US" dirty="0">
+                <a:latin typeface="Arial" panose="020B0604020202020204" pitchFamily="34" charset="0"/>
+                <a:cs typeface="Arial" panose="020B0604020202020204" pitchFamily="34" charset="0"/>
+              </a:rPr>
+              <a:t>	- Retrain model</a:t>
+            </a:r>
+          </a:p>
+          <a:p>
+            <a:pPr marL="0" indent="0">
+              <a:buNone/>
+            </a:pPr>
+            <a:r>
+              <a:rPr lang="en-US" dirty="0">
+                <a:latin typeface="Arial" panose="020B0604020202020204" pitchFamily="34" charset="0"/>
+                <a:cs typeface="Arial" panose="020B0604020202020204" pitchFamily="34" charset="0"/>
+              </a:rPr>
+              <a:t>	- Display project</a:t>
+            </a:r>
           </a:p>
         </p:txBody>
       </p:sp>
@@ -3831,7 +4184,7 @@
                 <a:latin typeface="Arial" panose="020B0604020202020204" pitchFamily="34" charset="0"/>
                 <a:cs typeface="Arial" panose="020B0604020202020204" pitchFamily="34" charset="0"/>
               </a:rPr>
-              <a:t>Model Output</a:t>
+              <a:t>Cartpole Training Summary</a:t>
             </a:r>
           </a:p>
         </p:txBody>
@@ -3857,17 +4210,147 @@
           <a:bodyPr/>
           <a:lstStyle/>
           <a:p>
+            <a:r>
+              <a:rPr lang="en-US" dirty="0">
+                <a:latin typeface="Arial" panose="020B0604020202020204" pitchFamily="34" charset="0"/>
+                <a:cs typeface="Arial" panose="020B0604020202020204" pitchFamily="34" charset="0"/>
+              </a:rPr>
+              <a:t>As specified in cartpole_ppo.sh, this is a summary of training over 16 epochs, using PPO with a small neural net [16,8,4]</a:t>
+            </a:r>
+          </a:p>
+          <a:p>
+            <a:r>
+              <a:rPr lang="en-US" dirty="0">
+                <a:latin typeface="Arial" panose="020B0604020202020204" pitchFamily="34" charset="0"/>
+                <a:cs typeface="Arial" panose="020B0604020202020204" pitchFamily="34" charset="0"/>
+              </a:rPr>
+              <a:t>Impossible to use all </a:t>
+            </a:r>
+            <a:r>
+              <a:rPr lang="en-US" dirty="0" err="1">
+                <a:latin typeface="Arial" panose="020B0604020202020204" pitchFamily="34" charset="0"/>
+                <a:cs typeface="Arial" panose="020B0604020202020204" pitchFamily="34" charset="0"/>
+              </a:rPr>
+              <a:t>spinningup</a:t>
+            </a:r>
+            <a:r>
+              <a:rPr lang="en-US" dirty="0">
+                <a:latin typeface="Arial" panose="020B0604020202020204" pitchFamily="34" charset="0"/>
+                <a:cs typeface="Arial" panose="020B0604020202020204" pitchFamily="34" charset="0"/>
+              </a:rPr>
+              <a:t> tools in </a:t>
+            </a:r>
+            <a:r>
+              <a:rPr lang="en-US" dirty="0" err="1">
+                <a:latin typeface="Arial" panose="020B0604020202020204" pitchFamily="34" charset="0"/>
+                <a:cs typeface="Arial" panose="020B0604020202020204" pitchFamily="34" charset="0"/>
+              </a:rPr>
+              <a:t>Colab</a:t>
+            </a:r>
             <a:endParaRPr lang="en-US" dirty="0">
               <a:latin typeface="Arial" panose="020B0604020202020204" pitchFamily="34" charset="0"/>
               <a:cs typeface="Arial" panose="020B0604020202020204" pitchFamily="34" charset="0"/>
             </a:endParaRPr>
           </a:p>
-        </p:txBody>
-      </p:sp>
+          <a:p>
+            <a:pPr marL="0" indent="0">
+              <a:buNone/>
+            </a:pPr>
+            <a:endParaRPr lang="en-US" dirty="0">
+              <a:latin typeface="Arial" panose="020B0604020202020204" pitchFamily="34" charset="0"/>
+              <a:cs typeface="Arial" panose="020B0604020202020204" pitchFamily="34" charset="0"/>
+            </a:endParaRPr>
+          </a:p>
+          <a:p>
+            <a:pPr marL="0" indent="0">
+              <a:buNone/>
+            </a:pPr>
+            <a:endParaRPr lang="en-US" dirty="0">
+              <a:latin typeface="Arial" panose="020B0604020202020204" pitchFamily="34" charset="0"/>
+              <a:cs typeface="Arial" panose="020B0604020202020204" pitchFamily="34" charset="0"/>
+            </a:endParaRPr>
+          </a:p>
+        </p:txBody>
+      </p:sp>
+      <p:pic>
+        <p:nvPicPr>
+          <p:cNvPr id="5" name="Picture 4">
+            <a:extLst>
+              <a:ext uri="{FF2B5EF4-FFF2-40B4-BE49-F238E27FC236}">
+                <a16:creationId xmlns:a16="http://schemas.microsoft.com/office/drawing/2014/main" id="{827BCD5A-0355-4D80-908D-27BB54C4777E}"/>
+              </a:ext>
+            </a:extLst>
+          </p:cNvPr>
+          <p:cNvPicPr>
+            <a:picLocks noChangeAspect="1"/>
+          </p:cNvPicPr>
+          <p:nvPr/>
+        </p:nvPicPr>
+        <p:blipFill>
+          <a:blip r:embed="rId2"/>
+          <a:stretch>
+            <a:fillRect/>
+          </a:stretch>
+        </p:blipFill>
+        <p:spPr>
+          <a:xfrm>
+            <a:off x="1525157" y="3281516"/>
+            <a:ext cx="4407126" cy="3187864"/>
+          </a:xfrm>
+          <a:prstGeom prst="rect">
+            <a:avLst/>
+          </a:prstGeom>
+        </p:spPr>
+      </p:pic>
+      <p:pic>
+        <p:nvPicPr>
+          <p:cNvPr id="1026" name="Picture 2" descr="Image result for cartpole">
+            <a:extLst>
+              <a:ext uri="{FF2B5EF4-FFF2-40B4-BE49-F238E27FC236}">
+                <a16:creationId xmlns:a16="http://schemas.microsoft.com/office/drawing/2014/main" id="{3E60B90B-6ADF-421E-ADF5-727E61873099}"/>
+              </a:ext>
+            </a:extLst>
+          </p:cNvPr>
+          <p:cNvPicPr>
+            <a:picLocks noChangeAspect="1" noChangeArrowheads="1"/>
+          </p:cNvPicPr>
+          <p:nvPr/>
+        </p:nvPicPr>
+        <p:blipFill rotWithShape="1">
+          <a:blip r:embed="rId3">
+            <a:extLst>
+              <a:ext uri="{28A0092B-C50C-407E-A947-70E740481C1C}">
+                <a14:useLocalDpi xmlns:a14="http://schemas.microsoft.com/office/drawing/2010/main" val="0"/>
+              </a:ext>
+            </a:extLst>
+          </a:blip>
+          <a:srcRect l="26134" t="16033" r="25155" b="296"/>
+          <a:stretch/>
+        </p:blipFill>
+        <p:spPr bwMode="auto">
+          <a:xfrm>
+            <a:off x="7456283" y="3281516"/>
+            <a:ext cx="2783840" cy="3187864"/>
+          </a:xfrm>
+          <a:prstGeom prst="rect">
+            <a:avLst/>
+          </a:prstGeom>
+          <a:noFill/>
+          <a:extLst>
+            <a:ext uri="{909E8E84-426E-40DD-AFC4-6F175D3DCCD1}">
+              <a14:hiddenFill xmlns:a14="http://schemas.microsoft.com/office/drawing/2010/main">
+                <a:solidFill>
+                  <a:srgbClr val="FFFFFF"/>
+                </a:solidFill>
+              </a14:hiddenFill>
+            </a:ext>
+          </a:extLst>
+        </p:spPr>
+      </p:pic>
     </p:spTree>
     <p:extLst>
       <p:ext uri="{BB962C8B-B14F-4D97-AF65-F5344CB8AC3E}">
-        <p14:creationId xmlns:p14="http://schemas.microsoft.com/office/powerpoint/2010/main" val="3779890060"/>
+        <p14:creationId xmlns:p14="http://schemas.microsoft.com/office/powerpoint/2010/main" val="607184158"/>
       </p:ext>
     </p:extLst>
   </p:cSld>
@@ -3899,64 +4382,129 @@
           <p:cNvPr id="2" name="Title 1">
             <a:extLst>
               <a:ext uri="{FF2B5EF4-FFF2-40B4-BE49-F238E27FC236}">
-                <a16:creationId xmlns:a16="http://schemas.microsoft.com/office/drawing/2014/main" id="{75063BAA-4EF7-4813-A95D-D2E326FCE3B6}"/>
-              </a:ext>
-            </a:extLst>
-          </p:cNvPr>
-          <p:cNvSpPr>
-            <a:spLocks noGrp="1"/>
-          </p:cNvSpPr>
-          <p:nvPr>
-            <p:ph type="title"/>
+                <a16:creationId xmlns:a16="http://schemas.microsoft.com/office/drawing/2014/main" id="{053295BC-BFCA-4A6F-8D14-7F3926435051}"/>
+              </a:ext>
+            </a:extLst>
+          </p:cNvPr>
+          <p:cNvSpPr>
+            <a:spLocks noGrp="1"/>
+          </p:cNvSpPr>
+          <p:nvPr>
+            <p:ph type="ctrTitle"/>
           </p:nvPr>
         </p:nvSpPr>
         <p:spPr/>
         <p:txBody>
-          <a:bodyPr/>
-          <a:lstStyle/>
-          <a:p>
-            <a:r>
-              <a:rPr lang="en-US" dirty="0">
-                <a:latin typeface="Arial" panose="020B0604020202020204" pitchFamily="34" charset="0"/>
-                <a:cs typeface="Arial" panose="020B0604020202020204" pitchFamily="34" charset="0"/>
-              </a:rPr>
-              <a:t>Progress Demonstration</a:t>
-            </a:r>
-          </a:p>
-        </p:txBody>
-      </p:sp>
-      <p:sp>
-        <p:nvSpPr>
-          <p:cNvPr id="3" name="Content Placeholder 2">
-            <a:extLst>
-              <a:ext uri="{FF2B5EF4-FFF2-40B4-BE49-F238E27FC236}">
-                <a16:creationId xmlns:a16="http://schemas.microsoft.com/office/drawing/2014/main" id="{AF59F887-131E-4075-9252-E66D22210D70}"/>
-              </a:ext>
-            </a:extLst>
-          </p:cNvPr>
-          <p:cNvSpPr>
-            <a:spLocks noGrp="1"/>
-          </p:cNvSpPr>
-          <p:nvPr>
-            <p:ph idx="1"/>
-          </p:nvPr>
-        </p:nvSpPr>
-        <p:spPr/>
-        <p:txBody>
-          <a:bodyPr/>
-          <a:lstStyle/>
-          <a:p>
-            <a:endParaRPr lang="en-US" dirty="0">
+          <a:bodyPr>
+            <a:normAutofit/>
+          </a:bodyPr>
+          <a:lstStyle/>
+          <a:p>
+            <a:r>
+              <a:rPr lang="en-US" b="1" dirty="0">
+                <a:latin typeface="Arial" panose="020B0604020202020204" pitchFamily="34" charset="0"/>
+                <a:cs typeface="Arial" panose="020B0604020202020204" pitchFamily="34" charset="0"/>
+              </a:rPr>
+              <a:t>Draft Proposal:</a:t>
+            </a:r>
+            <a:br>
+              <a:rPr lang="en-US" b="1" dirty="0">
+                <a:latin typeface="Arial" panose="020B0604020202020204" pitchFamily="34" charset="0"/>
+                <a:cs typeface="Arial" panose="020B0604020202020204" pitchFamily="34" charset="0"/>
+              </a:rPr>
+            </a:br>
+            <a:r>
+              <a:rPr lang="en-US" b="1" dirty="0">
+                <a:latin typeface="Arial" panose="020B0604020202020204" pitchFamily="34" charset="0"/>
+                <a:cs typeface="Arial" panose="020B0604020202020204" pitchFamily="34" charset="0"/>
+              </a:rPr>
+              <a:t>Wesson</a:t>
+            </a:r>
+            <a:endParaRPr lang="en-US" sz="2700" b="1" dirty="0">
               <a:latin typeface="Arial" panose="020B0604020202020204" pitchFamily="34" charset="0"/>
               <a:cs typeface="Arial" panose="020B0604020202020204" pitchFamily="34" charset="0"/>
             </a:endParaRPr>
           </a:p>
         </p:txBody>
       </p:sp>
+      <p:sp>
+        <p:nvSpPr>
+          <p:cNvPr id="3" name="Subtitle 2">
+            <a:extLst>
+              <a:ext uri="{FF2B5EF4-FFF2-40B4-BE49-F238E27FC236}">
+                <a16:creationId xmlns:a16="http://schemas.microsoft.com/office/drawing/2014/main" id="{B403C559-97D6-4E15-AE79-C8036102A6EA}"/>
+              </a:ext>
+            </a:extLst>
+          </p:cNvPr>
+          <p:cNvSpPr>
+            <a:spLocks noGrp="1"/>
+          </p:cNvSpPr>
+          <p:nvPr>
+            <p:ph type="subTitle" idx="1"/>
+          </p:nvPr>
+        </p:nvSpPr>
+        <p:spPr/>
+        <p:txBody>
+          <a:bodyPr/>
+          <a:lstStyle/>
+          <a:p>
+            <a:endParaRPr lang="en-US" b="1" dirty="0">
+              <a:latin typeface="Arial" panose="020B0604020202020204" pitchFamily="34" charset="0"/>
+              <a:cs typeface="Arial" panose="020B0604020202020204" pitchFamily="34" charset="0"/>
+            </a:endParaRPr>
+          </a:p>
+          <a:p>
+            <a:r>
+              <a:rPr lang="en-US" b="1" dirty="0">
+                <a:latin typeface="Arial" panose="020B0604020202020204" pitchFamily="34" charset="0"/>
+                <a:cs typeface="Arial" panose="020B0604020202020204" pitchFamily="34" charset="0"/>
+              </a:rPr>
+              <a:t>CDT Wesley Swain</a:t>
+            </a:r>
+            <a:endParaRPr lang="en-US" dirty="0"/>
+          </a:p>
+        </p:txBody>
+      </p:sp>
+      <p:pic>
+        <p:nvPicPr>
+          <p:cNvPr id="5" name="Picture 4" descr="A close up of a toy&#10;&#10;Description automatically generated">
+            <a:extLst>
+              <a:ext uri="{FF2B5EF4-FFF2-40B4-BE49-F238E27FC236}">
+                <a16:creationId xmlns:a16="http://schemas.microsoft.com/office/drawing/2014/main" id="{309E3C37-2E24-4655-B1BA-E5D555385325}"/>
+              </a:ext>
+            </a:extLst>
+          </p:cNvPr>
+          <p:cNvPicPr>
+            <a:picLocks noChangeAspect="1"/>
+          </p:cNvPicPr>
+          <p:nvPr/>
+        </p:nvPicPr>
+        <p:blipFill>
+          <a:blip r:embed="rId2">
+            <a:extLst>
+              <a:ext uri="{28A0092B-C50C-407E-A947-70E740481C1C}">
+                <a14:useLocalDpi xmlns:a14="http://schemas.microsoft.com/office/drawing/2010/main" val="0"/>
+              </a:ext>
+            </a:extLst>
+          </a:blip>
+          <a:stretch>
+            <a:fillRect/>
+          </a:stretch>
+        </p:blipFill>
+        <p:spPr>
+          <a:xfrm>
+            <a:off x="0" y="4164953"/>
+            <a:ext cx="3065929" cy="2693047"/>
+          </a:xfrm>
+          <a:prstGeom prst="rect">
+            <a:avLst/>
+          </a:prstGeom>
+        </p:spPr>
+      </p:pic>
     </p:spTree>
     <p:extLst>
       <p:ext uri="{BB962C8B-B14F-4D97-AF65-F5344CB8AC3E}">
-        <p14:creationId xmlns:p14="http://schemas.microsoft.com/office/powerpoint/2010/main" val="607184158"/>
+        <p14:creationId xmlns:p14="http://schemas.microsoft.com/office/powerpoint/2010/main" val="407072382"/>
       </p:ext>
     </p:extLst>
   </p:cSld>
@@ -3988,93 +4536,212 @@
           <p:cNvPr id="2" name="Title 1">
             <a:extLst>
               <a:ext uri="{FF2B5EF4-FFF2-40B4-BE49-F238E27FC236}">
-                <a16:creationId xmlns:a16="http://schemas.microsoft.com/office/drawing/2014/main" id="{053295BC-BFCA-4A6F-8D14-7F3926435051}"/>
-              </a:ext>
-            </a:extLst>
-          </p:cNvPr>
-          <p:cNvSpPr>
-            <a:spLocks noGrp="1"/>
-          </p:cNvSpPr>
-          <p:nvPr>
-            <p:ph type="ctrTitle"/>
+                <a16:creationId xmlns:a16="http://schemas.microsoft.com/office/drawing/2014/main" id="{75063BAA-4EF7-4813-A95D-D2E326FCE3B6}"/>
+              </a:ext>
+            </a:extLst>
+          </p:cNvPr>
+          <p:cNvSpPr>
+            <a:spLocks noGrp="1"/>
+          </p:cNvSpPr>
+          <p:nvPr>
+            <p:ph type="title"/>
           </p:nvPr>
         </p:nvSpPr>
         <p:spPr/>
         <p:txBody>
-          <a:bodyPr>
-            <a:normAutofit/>
-          </a:bodyPr>
-          <a:lstStyle/>
-          <a:p>
+          <a:bodyPr/>
+          <a:lstStyle/>
+          <a:p>
+            <a:r>
+              <a:rPr lang="en-US" dirty="0">
+                <a:latin typeface="Arial" panose="020B0604020202020204" pitchFamily="34" charset="0"/>
+                <a:cs typeface="Arial" panose="020B0604020202020204" pitchFamily="34" charset="0"/>
+              </a:rPr>
+              <a:t>Wesson: Tackling Jeopardy!</a:t>
+            </a:r>
+          </a:p>
+        </p:txBody>
+      </p:sp>
+      <p:sp>
+        <p:nvSpPr>
+          <p:cNvPr id="3" name="Content Placeholder 2">
+            <a:extLst>
+              <a:ext uri="{FF2B5EF4-FFF2-40B4-BE49-F238E27FC236}">
+                <a16:creationId xmlns:a16="http://schemas.microsoft.com/office/drawing/2014/main" id="{AF59F887-131E-4075-9252-E66D22210D70}"/>
+              </a:ext>
+            </a:extLst>
+          </p:cNvPr>
+          <p:cNvSpPr>
+            <a:spLocks noGrp="1"/>
+          </p:cNvSpPr>
+          <p:nvPr>
+            <p:ph idx="1"/>
+          </p:nvPr>
+        </p:nvSpPr>
+        <p:spPr/>
+        <p:txBody>
+          <a:bodyPr/>
+          <a:lstStyle/>
+          <a:p>
+            <a:r>
+              <a:rPr lang="en-US" u="sng" dirty="0">
+                <a:latin typeface="Arial" panose="020B0604020202020204" pitchFamily="34" charset="0"/>
+                <a:cs typeface="Arial" panose="020B0604020202020204" pitchFamily="34" charset="0"/>
+              </a:rPr>
+              <a:t>Project Goal</a:t>
+            </a:r>
+            <a:r>
+              <a:rPr lang="en-US" dirty="0">
+                <a:latin typeface="Arial" panose="020B0604020202020204" pitchFamily="34" charset="0"/>
+                <a:cs typeface="Arial" panose="020B0604020202020204" pitchFamily="34" charset="0"/>
+              </a:rPr>
+              <a:t>:  To train a neural network to achieve acceptable question answering success on Jeopardy-style questions with minimal computing resources</a:t>
+            </a:r>
+          </a:p>
+          <a:p>
+            <a:r>
+              <a:rPr lang="en-US" u="sng" dirty="0">
+                <a:latin typeface="Arial" panose="020B0604020202020204" pitchFamily="34" charset="0"/>
+                <a:cs typeface="Arial" panose="020B0604020202020204" pitchFamily="34" charset="0"/>
+              </a:rPr>
+              <a:t>Problem Description</a:t>
+            </a:r>
             <a:r>
               <a:rPr lang="en-US" b="1" dirty="0">
                 <a:latin typeface="Arial" panose="020B0604020202020204" pitchFamily="34" charset="0"/>
                 <a:cs typeface="Arial" panose="020B0604020202020204" pitchFamily="34" charset="0"/>
               </a:rPr>
-              <a:t>Draft Proposal:</a:t>
-            </a:r>
-            <a:br>
-              <a:rPr lang="en-US" b="1" dirty="0">
-                <a:latin typeface="Arial" panose="020B0604020202020204" pitchFamily="34" charset="0"/>
-                <a:cs typeface="Arial" panose="020B0604020202020204" pitchFamily="34" charset="0"/>
-              </a:rPr>
-            </a:br>
-            <a:r>
-              <a:rPr lang="en-US" b="1" dirty="0">
-                <a:latin typeface="Arial" panose="020B0604020202020204" pitchFamily="34" charset="0"/>
-                <a:cs typeface="Arial" panose="020B0604020202020204" pitchFamily="34" charset="0"/>
-              </a:rPr>
-              <a:t>Wesson</a:t>
-            </a:r>
-            <a:endParaRPr lang="en-US" sz="2700" b="1" dirty="0">
+              <a:t>: </a:t>
+            </a:r>
+            <a:r>
+              <a:rPr lang="en-US" dirty="0">
+                <a:latin typeface="Arial" panose="020B0604020202020204" pitchFamily="34" charset="0"/>
+                <a:cs typeface="Arial" panose="020B0604020202020204" pitchFamily="34" charset="0"/>
+              </a:rPr>
+              <a:t>Scope undefined, research limited</a:t>
+            </a:r>
+          </a:p>
+          <a:p>
+            <a:r>
+              <a:rPr lang="en-US" u="sng" dirty="0">
+                <a:latin typeface="Arial" panose="020B0604020202020204" pitchFamily="34" charset="0"/>
+                <a:cs typeface="Arial" panose="020B0604020202020204" pitchFamily="34" charset="0"/>
+              </a:rPr>
+              <a:t>Preceding Work</a:t>
+            </a:r>
+            <a:r>
+              <a:rPr lang="en-US" dirty="0">
+                <a:latin typeface="Arial" panose="020B0604020202020204" pitchFamily="34" charset="0"/>
+                <a:cs typeface="Arial" panose="020B0604020202020204" pitchFamily="34" charset="0"/>
+              </a:rPr>
+              <a:t>:  Watson (</a:t>
+            </a:r>
+            <a:r>
+              <a:rPr lang="en-US" dirty="0" err="1">
+                <a:latin typeface="Arial" panose="020B0604020202020204" pitchFamily="34" charset="0"/>
+                <a:cs typeface="Arial" panose="020B0604020202020204" pitchFamily="34" charset="0"/>
+              </a:rPr>
+              <a:t>DeepQA</a:t>
+            </a:r>
+            <a:r>
+              <a:rPr lang="en-US" dirty="0">
+                <a:latin typeface="Arial" panose="020B0604020202020204" pitchFamily="34" charset="0"/>
+                <a:cs typeface="Arial" panose="020B0604020202020204" pitchFamily="34" charset="0"/>
+              </a:rPr>
+              <a:t>), strong NLP models</a:t>
+            </a:r>
+          </a:p>
+          <a:p>
+            <a:r>
+              <a:rPr lang="en-US" u="sng" dirty="0">
+                <a:latin typeface="Arial" panose="020B0604020202020204" pitchFamily="34" charset="0"/>
+                <a:cs typeface="Arial" panose="020B0604020202020204" pitchFamily="34" charset="0"/>
+              </a:rPr>
+              <a:t>Potential Datasets</a:t>
+            </a:r>
+            <a:r>
+              <a:rPr lang="en-US" dirty="0">
+                <a:latin typeface="Arial" panose="020B0604020202020204" pitchFamily="34" charset="0"/>
+                <a:cs typeface="Arial" panose="020B0604020202020204" pitchFamily="34" charset="0"/>
+              </a:rPr>
+              <a:t>:  </a:t>
+            </a:r>
+            <a:r>
+              <a:rPr lang="en-US" dirty="0" err="1">
+                <a:latin typeface="Arial" panose="020B0604020202020204" pitchFamily="34" charset="0"/>
+                <a:cs typeface="Arial" panose="020B0604020202020204" pitchFamily="34" charset="0"/>
+              </a:rPr>
+              <a:t>JArchive</a:t>
+            </a:r>
+            <a:r>
+              <a:rPr lang="en-US" dirty="0">
+                <a:latin typeface="Arial" panose="020B0604020202020204" pitchFamily="34" charset="0"/>
+                <a:cs typeface="Arial" panose="020B0604020202020204" pitchFamily="34" charset="0"/>
+              </a:rPr>
+              <a:t>, </a:t>
+            </a:r>
+            <a:r>
+              <a:rPr lang="en-US" dirty="0" err="1">
+                <a:latin typeface="Arial" panose="020B0604020202020204" pitchFamily="34" charset="0"/>
+                <a:cs typeface="Arial" panose="020B0604020202020204" pitchFamily="34" charset="0"/>
+              </a:rPr>
+              <a:t>Protobowl</a:t>
+            </a:r>
+            <a:endParaRPr lang="en-US" dirty="0">
               <a:latin typeface="Arial" panose="020B0604020202020204" pitchFamily="34" charset="0"/>
               <a:cs typeface="Arial" panose="020B0604020202020204" pitchFamily="34" charset="0"/>
             </a:endParaRPr>
           </a:p>
-        </p:txBody>
-      </p:sp>
-      <p:sp>
-        <p:nvSpPr>
-          <p:cNvPr id="3" name="Subtitle 2">
-            <a:extLst>
-              <a:ext uri="{FF2B5EF4-FFF2-40B4-BE49-F238E27FC236}">
-                <a16:creationId xmlns:a16="http://schemas.microsoft.com/office/drawing/2014/main" id="{B403C559-97D6-4E15-AE79-C8036102A6EA}"/>
-              </a:ext>
-            </a:extLst>
-          </p:cNvPr>
-          <p:cNvSpPr>
-            <a:spLocks noGrp="1"/>
-          </p:cNvSpPr>
-          <p:nvPr>
-            <p:ph type="subTitle" idx="1"/>
-          </p:nvPr>
-        </p:nvSpPr>
-        <p:spPr/>
-        <p:txBody>
-          <a:bodyPr/>
-          <a:lstStyle/>
-          <a:p>
-            <a:endParaRPr lang="en-US" b="1" dirty="0">
-              <a:latin typeface="Arial" panose="020B0604020202020204" pitchFamily="34" charset="0"/>
-              <a:cs typeface="Arial" panose="020B0604020202020204" pitchFamily="34" charset="0"/>
-            </a:endParaRPr>
-          </a:p>
-          <a:p>
-            <a:r>
-              <a:rPr lang="en-US" b="1" dirty="0">
-                <a:latin typeface="Arial" panose="020B0604020202020204" pitchFamily="34" charset="0"/>
-                <a:cs typeface="Arial" panose="020B0604020202020204" pitchFamily="34" charset="0"/>
-              </a:rPr>
-              <a:t>CDT Wesley Swain</a:t>
-            </a:r>
-            <a:endParaRPr lang="en-US" dirty="0"/>
+          <a:p>
+            <a:r>
+              <a:rPr lang="en-US" u="sng" dirty="0">
+                <a:latin typeface="Arial" panose="020B0604020202020204" pitchFamily="34" charset="0"/>
+                <a:cs typeface="Arial" panose="020B0604020202020204" pitchFamily="34" charset="0"/>
+              </a:rPr>
+              <a:t>First Source</a:t>
+            </a:r>
+            <a:r>
+              <a:rPr lang="en-US" dirty="0">
+                <a:latin typeface="Arial" panose="020B0604020202020204" pitchFamily="34" charset="0"/>
+                <a:cs typeface="Arial" panose="020B0604020202020204" pitchFamily="34" charset="0"/>
+              </a:rPr>
+              <a:t>: “Building Watson: An Overview of the </a:t>
+            </a:r>
+            <a:r>
+              <a:rPr lang="en-US" dirty="0" err="1">
+                <a:latin typeface="Arial" panose="020B0604020202020204" pitchFamily="34" charset="0"/>
+                <a:cs typeface="Arial" panose="020B0604020202020204" pitchFamily="34" charset="0"/>
+              </a:rPr>
+              <a:t>DeepQA</a:t>
+            </a:r>
+            <a:r>
+              <a:rPr lang="en-US" dirty="0">
+                <a:latin typeface="Arial" panose="020B0604020202020204" pitchFamily="34" charset="0"/>
+                <a:cs typeface="Arial" panose="020B0604020202020204" pitchFamily="34" charset="0"/>
+              </a:rPr>
+              <a:t> Project” (copy in repo under </a:t>
+            </a:r>
+            <a:r>
+              <a:rPr lang="en-US" dirty="0" err="1">
+                <a:latin typeface="Arial" panose="020B0604020202020204" pitchFamily="34" charset="0"/>
+                <a:cs typeface="Arial" panose="020B0604020202020204" pitchFamily="34" charset="0"/>
+              </a:rPr>
+              <a:t>wesson</a:t>
+            </a:r>
+            <a:r>
+              <a:rPr lang="en-US" dirty="0">
+                <a:latin typeface="Arial" panose="020B0604020202020204" pitchFamily="34" charset="0"/>
+                <a:cs typeface="Arial" panose="020B0604020202020204" pitchFamily="34" charset="0"/>
+              </a:rPr>
+              <a:t>/building_watson.pdf)</a:t>
+            </a:r>
           </a:p>
         </p:txBody>
       </p:sp>
     </p:spTree>
     <p:extLst>
       <p:ext uri="{BB962C8B-B14F-4D97-AF65-F5344CB8AC3E}">
-        <p14:creationId xmlns:p14="http://schemas.microsoft.com/office/powerpoint/2010/main" val="407072382"/>
+        <p14:creationId xmlns:p14="http://schemas.microsoft.com/office/powerpoint/2010/main" val="1678177483"/>
       </p:ext>
     </p:extLst>
   </p:cSld>
@@ -4106,153 +4773,88 @@
           <p:cNvPr id="2" name="Title 1">
             <a:extLst>
               <a:ext uri="{FF2B5EF4-FFF2-40B4-BE49-F238E27FC236}">
-                <a16:creationId xmlns:a16="http://schemas.microsoft.com/office/drawing/2014/main" id="{75063BAA-4EF7-4813-A95D-D2E326FCE3B6}"/>
-              </a:ext>
-            </a:extLst>
-          </p:cNvPr>
-          <p:cNvSpPr>
-            <a:spLocks noGrp="1"/>
-          </p:cNvSpPr>
-          <p:nvPr>
-            <p:ph type="title"/>
+                <a16:creationId xmlns:a16="http://schemas.microsoft.com/office/drawing/2014/main" id="{053295BC-BFCA-4A6F-8D14-7F3926435051}"/>
+              </a:ext>
+            </a:extLst>
+          </p:cNvPr>
+          <p:cNvSpPr>
+            <a:spLocks noGrp="1"/>
+          </p:cNvSpPr>
+          <p:nvPr>
+            <p:ph type="ctrTitle"/>
           </p:nvPr>
         </p:nvSpPr>
         <p:spPr/>
         <p:txBody>
-          <a:bodyPr/>
-          <a:lstStyle/>
-          <a:p>
-            <a:r>
-              <a:rPr lang="en-US" dirty="0">
-                <a:latin typeface="Arial" panose="020B0604020202020204" pitchFamily="34" charset="0"/>
-                <a:cs typeface="Arial" panose="020B0604020202020204" pitchFamily="34" charset="0"/>
-              </a:rPr>
-              <a:t>Wesson: Tackling Jeopardy!</a:t>
-            </a:r>
-          </a:p>
-        </p:txBody>
-      </p:sp>
-      <p:sp>
-        <p:nvSpPr>
-          <p:cNvPr id="3" name="Content Placeholder 2">
-            <a:extLst>
-              <a:ext uri="{FF2B5EF4-FFF2-40B4-BE49-F238E27FC236}">
-                <a16:creationId xmlns:a16="http://schemas.microsoft.com/office/drawing/2014/main" id="{AF59F887-131E-4075-9252-E66D22210D70}"/>
-              </a:ext>
-            </a:extLst>
-          </p:cNvPr>
-          <p:cNvSpPr>
-            <a:spLocks noGrp="1"/>
-          </p:cNvSpPr>
-          <p:nvPr>
-            <p:ph idx="1"/>
-          </p:nvPr>
-        </p:nvSpPr>
-        <p:spPr/>
-        <p:txBody>
-          <a:bodyPr/>
-          <a:lstStyle/>
-          <a:p>
-            <a:endParaRPr lang="en-US" dirty="0">
+          <a:bodyPr>
+            <a:normAutofit/>
+          </a:bodyPr>
+          <a:lstStyle/>
+          <a:p>
+            <a:r>
+              <a:rPr lang="en-US" b="1" dirty="0">
+                <a:latin typeface="Arial" panose="020B0604020202020204" pitchFamily="34" charset="0"/>
+                <a:cs typeface="Arial" panose="020B0604020202020204" pitchFamily="34" charset="0"/>
+              </a:rPr>
+              <a:t>Questions?</a:t>
+            </a:r>
+            <a:endParaRPr lang="en-US" sz="2700" b="1" dirty="0">
               <a:latin typeface="Arial" panose="020B0604020202020204" pitchFamily="34" charset="0"/>
               <a:cs typeface="Arial" panose="020B0604020202020204" pitchFamily="34" charset="0"/>
             </a:endParaRPr>
           </a:p>
         </p:txBody>
       </p:sp>
+      <p:sp>
+        <p:nvSpPr>
+          <p:cNvPr id="3" name="Subtitle 2">
+            <a:extLst>
+              <a:ext uri="{FF2B5EF4-FFF2-40B4-BE49-F238E27FC236}">
+                <a16:creationId xmlns:a16="http://schemas.microsoft.com/office/drawing/2014/main" id="{B403C559-97D6-4E15-AE79-C8036102A6EA}"/>
+              </a:ext>
+            </a:extLst>
+          </p:cNvPr>
+          <p:cNvSpPr>
+            <a:spLocks noGrp="1"/>
+          </p:cNvSpPr>
+          <p:nvPr>
+            <p:ph type="subTitle" idx="1"/>
+          </p:nvPr>
+        </p:nvSpPr>
+        <p:spPr/>
+        <p:txBody>
+          <a:bodyPr/>
+          <a:lstStyle/>
+          <a:p>
+            <a:endParaRPr lang="en-US" b="1" dirty="0">
+              <a:latin typeface="Arial" panose="020B0604020202020204" pitchFamily="34" charset="0"/>
+              <a:cs typeface="Arial" panose="020B0604020202020204" pitchFamily="34" charset="0"/>
+            </a:endParaRPr>
+          </a:p>
+          <a:p>
+            <a:r>
+              <a:rPr lang="en-US" b="1" dirty="0">
+                <a:latin typeface="Arial" panose="020B0604020202020204" pitchFamily="34" charset="0"/>
+                <a:cs typeface="Arial" panose="020B0604020202020204" pitchFamily="34" charset="0"/>
+              </a:rPr>
+              <a:t>GitHub:</a:t>
+            </a:r>
+          </a:p>
+          <a:p>
+            <a:r>
+              <a:rPr lang="en-US" dirty="0">
+                <a:hlinkClick r:id="rId2"/>
+              </a:rPr>
+              <a:t>https://github.com/westpoint-neural-networks/final-project-wjwswain</a:t>
+            </a:r>
+            <a:endParaRPr lang="en-US" dirty="0"/>
+          </a:p>
+        </p:txBody>
+      </p:sp>
     </p:spTree>
     <p:extLst>
       <p:ext uri="{BB962C8B-B14F-4D97-AF65-F5344CB8AC3E}">
-        <p14:creationId xmlns:p14="http://schemas.microsoft.com/office/powerpoint/2010/main" val="1678177483"/>
-      </p:ext>
-    </p:extLst>
-  </p:cSld>
-  <p:clrMapOvr>
-    <a:masterClrMapping/>
-  </p:clrMapOvr>
-</p:sld>
-</file>
-
-<file path=ppt/slides/slide8.xml><?xml version="1.0" encoding="utf-8"?>
-<p:sld xmlns:a="http://schemas.openxmlformats.org/drawingml/2006/main" xmlns:r="http://schemas.openxmlformats.org/officeDocument/2006/relationships" xmlns:p="http://schemas.openxmlformats.org/presentationml/2006/main">
-  <p:cSld>
-    <p:spTree>
-      <p:nvGrpSpPr>
-        <p:cNvPr id="1" name=""/>
-        <p:cNvGrpSpPr/>
-        <p:nvPr/>
-      </p:nvGrpSpPr>
-      <p:grpSpPr>
-        <a:xfrm>
-          <a:off x="0" y="0"/>
-          <a:ext cx="0" cy="0"/>
-          <a:chOff x="0" y="0"/>
-          <a:chExt cx="0" cy="0"/>
-        </a:xfrm>
-      </p:grpSpPr>
-      <p:sp>
-        <p:nvSpPr>
-          <p:cNvPr id="2" name="Title 1">
-            <a:extLst>
-              <a:ext uri="{FF2B5EF4-FFF2-40B4-BE49-F238E27FC236}">
-                <a16:creationId xmlns:a16="http://schemas.microsoft.com/office/drawing/2014/main" id="{75063BAA-4EF7-4813-A95D-D2E326FCE3B6}"/>
-              </a:ext>
-            </a:extLst>
-          </p:cNvPr>
-          <p:cNvSpPr>
-            <a:spLocks noGrp="1"/>
-          </p:cNvSpPr>
-          <p:nvPr>
-            <p:ph type="title"/>
-          </p:nvPr>
-        </p:nvSpPr>
-        <p:spPr/>
-        <p:txBody>
-          <a:bodyPr/>
-          <a:lstStyle/>
-          <a:p>
-            <a:r>
-              <a:rPr lang="en-US" dirty="0">
-                <a:latin typeface="Arial" panose="020B0604020202020204" pitchFamily="34" charset="0"/>
-                <a:cs typeface="Arial" panose="020B0604020202020204" pitchFamily="34" charset="0"/>
-              </a:rPr>
-              <a:t>Proposal Sources</a:t>
-            </a:r>
-          </a:p>
-        </p:txBody>
-      </p:sp>
-      <p:sp>
-        <p:nvSpPr>
-          <p:cNvPr id="3" name="Content Placeholder 2">
-            <a:extLst>
-              <a:ext uri="{FF2B5EF4-FFF2-40B4-BE49-F238E27FC236}">
-                <a16:creationId xmlns:a16="http://schemas.microsoft.com/office/drawing/2014/main" id="{AF59F887-131E-4075-9252-E66D22210D70}"/>
-              </a:ext>
-            </a:extLst>
-          </p:cNvPr>
-          <p:cNvSpPr>
-            <a:spLocks noGrp="1"/>
-          </p:cNvSpPr>
-          <p:nvPr>
-            <p:ph idx="1"/>
-          </p:nvPr>
-        </p:nvSpPr>
-        <p:spPr/>
-        <p:txBody>
-          <a:bodyPr/>
-          <a:lstStyle/>
-          <a:p>
-            <a:endParaRPr lang="en-US" dirty="0">
-              <a:latin typeface="Arial" panose="020B0604020202020204" pitchFamily="34" charset="0"/>
-              <a:cs typeface="Arial" panose="020B0604020202020204" pitchFamily="34" charset="0"/>
-            </a:endParaRPr>
-          </a:p>
-        </p:txBody>
-      </p:sp>
-    </p:spTree>
-    <p:extLst>
-      <p:ext uri="{BB962C8B-B14F-4D97-AF65-F5344CB8AC3E}">
-        <p14:creationId xmlns:p14="http://schemas.microsoft.com/office/powerpoint/2010/main" val="4273743496"/>
+        <p14:creationId xmlns:p14="http://schemas.microsoft.com/office/powerpoint/2010/main" val="1471971805"/>
       </p:ext>
     </p:extLst>
   </p:cSld>
@@ -4558,6 +5160,21 @@
 </file>
 
 <file path=customXml/item1.xml><?xml version="1.0" encoding="utf-8"?>
+<p:properties xmlns:p="http://schemas.microsoft.com/office/2006/metadata/properties" xmlns:xsi="http://www.w3.org/2001/XMLSchema-instance" xmlns:pc="http://schemas.microsoft.com/office/infopath/2007/PartnerControls">
+  <documentManagement/>
+</p:properties>
+</file>
+
+<file path=customXml/item2.xml><?xml version="1.0" encoding="utf-8"?>
+<?mso-contentType ?>
+<FormTemplates xmlns="http://schemas.microsoft.com/sharepoint/v3/contenttype/forms">
+  <Display>DocumentLibraryForm</Display>
+  <Edit>DocumentLibraryForm</Edit>
+  <New>DocumentLibraryForm</New>
+</FormTemplates>
+</file>
+
+<file path=customXml/item3.xml><?xml version="1.0" encoding="utf-8"?>
 <ct:contentTypeSchema xmlns:ct="http://schemas.microsoft.com/office/2006/metadata/contentType" xmlns:ma="http://schemas.microsoft.com/office/2006/metadata/properties/metaAttributes" ct:_="" ma:_="" ma:contentTypeName="Document" ma:contentTypeID="0x0101004F0D3AC58085F04F8E96853F08A30F2B" ma:contentTypeVersion="13" ma:contentTypeDescription="Create a new document." ma:contentTypeScope="" ma:versionID="e9afa7dab06afb4b4c01e8cb8570a294">
   <xsd:schema xmlns:xsd="http://www.w3.org/2001/XMLSchema" xmlns:xs="http://www.w3.org/2001/XMLSchema" xmlns:p="http://schemas.microsoft.com/office/2006/metadata/properties" xmlns:ns3="b223b62c-a937-4bca-ad8a-f65eba266e5f" xmlns:ns4="cb4d3b21-ccbf-4786-ba37-110921545913" targetNamespace="http://schemas.microsoft.com/office/2006/metadata/properties" ma:root="true" ma:fieldsID="ad1104b1c79da1e0db020350448a4486" ns3:_="" ns4:_="">
     <xsd:import namespace="b223b62c-a937-4bca-ad8a-f65eba266e5f"/>
@@ -4780,22 +5397,32 @@
 </ct:contentTypeSchema>
 </file>
 
-<file path=customXml/item2.xml><?xml version="1.0" encoding="utf-8"?>
-<?mso-contentType ?>
-<FormTemplates xmlns="http://schemas.microsoft.com/sharepoint/v3/contenttype/forms">
-  <Display>DocumentLibraryForm</Display>
-  <Edit>DocumentLibraryForm</Edit>
-  <New>DocumentLibraryForm</New>
-</FormTemplates>
+<file path=customXml/itemProps1.xml><?xml version="1.0" encoding="utf-8"?>
+<ds:datastoreItem xmlns:ds="http://schemas.openxmlformats.org/officeDocument/2006/customXml" ds:itemID="{B77175DD-268B-4102-B3A8-D40870A76FC8}">
+  <ds:schemaRefs>
+    <ds:schemaRef ds:uri="cb4d3b21-ccbf-4786-ba37-110921545913"/>
+    <ds:schemaRef ds:uri="http://schemas.microsoft.com/office/infopath/2007/PartnerControls"/>
+    <ds:schemaRef ds:uri="http://www.w3.org/XML/1998/namespace"/>
+    <ds:schemaRef ds:uri="http://schemas.microsoft.com/office/2006/metadata/properties"/>
+    <ds:schemaRef ds:uri="http://purl.org/dc/elements/1.1/"/>
+    <ds:schemaRef ds:uri="http://schemas.microsoft.com/office/2006/documentManagement/types"/>
+    <ds:schemaRef ds:uri="b223b62c-a937-4bca-ad8a-f65eba266e5f"/>
+    <ds:schemaRef ds:uri="http://schemas.openxmlformats.org/package/2006/metadata/core-properties"/>
+    <ds:schemaRef ds:uri="http://purl.org/dc/dcmitype/"/>
+    <ds:schemaRef ds:uri="http://purl.org/dc/terms/"/>
+  </ds:schemaRefs>
+</ds:datastoreItem>
 </file>
 
-<file path=customXml/item3.xml><?xml version="1.0" encoding="utf-8"?>
-<p:properties xmlns:p="http://schemas.microsoft.com/office/2006/metadata/properties" xmlns:xsi="http://www.w3.org/2001/XMLSchema-instance" xmlns:pc="http://schemas.microsoft.com/office/infopath/2007/PartnerControls">
-  <documentManagement/>
-</p:properties>
+<file path=customXml/itemProps2.xml><?xml version="1.0" encoding="utf-8"?>
+<ds:datastoreItem xmlns:ds="http://schemas.openxmlformats.org/officeDocument/2006/customXml" ds:itemID="{73FA5A83-2C59-4144-9668-DB8DDC8D3508}">
+  <ds:schemaRefs>
+    <ds:schemaRef ds:uri="http://schemas.microsoft.com/sharepoint/v3/contenttype/forms"/>
+  </ds:schemaRefs>
+</ds:datastoreItem>
 </file>
 
-<file path=customXml/itemProps1.xml><?xml version="1.0" encoding="utf-8"?>
+<file path=customXml/itemProps3.xml><?xml version="1.0" encoding="utf-8"?>
 <ds:datastoreItem xmlns:ds="http://schemas.openxmlformats.org/officeDocument/2006/customXml" ds:itemID="{3695962F-4A36-437C-8E7D-AD540D9D6518}">
   <ds:schemaRefs>
     <ds:schemaRef ds:uri="http://schemas.microsoft.com/office/2006/metadata/contentType"/>
@@ -4812,29 +5439,4 @@
     <ds:schemaRef ds:uri="http://schemas.microsoft.com/internal/obd"/>
   </ds:schemaRefs>
 </ds:datastoreItem>
-</file>
-
-<file path=customXml/itemProps2.xml><?xml version="1.0" encoding="utf-8"?>
-<ds:datastoreItem xmlns:ds="http://schemas.openxmlformats.org/officeDocument/2006/customXml" ds:itemID="{73FA5A83-2C59-4144-9668-DB8DDC8D3508}">
-  <ds:schemaRefs>
-    <ds:schemaRef ds:uri="http://schemas.microsoft.com/sharepoint/v3/contenttype/forms"/>
-  </ds:schemaRefs>
-</ds:datastoreItem>
-</file>
-
-<file path=customXml/itemProps3.xml><?xml version="1.0" encoding="utf-8"?>
-<ds:datastoreItem xmlns:ds="http://schemas.openxmlformats.org/officeDocument/2006/customXml" ds:itemID="{B77175DD-268B-4102-B3A8-D40870A76FC8}">
-  <ds:schemaRefs>
-    <ds:schemaRef ds:uri="http://purl.org/dc/dcmitype/"/>
-    <ds:schemaRef ds:uri="b223b62c-a937-4bca-ad8a-f65eba266e5f"/>
-    <ds:schemaRef ds:uri="http://purl.org/dc/terms/"/>
-    <ds:schemaRef ds:uri="http://schemas.openxmlformats.org/package/2006/metadata/core-properties"/>
-    <ds:schemaRef ds:uri="http://schemas.microsoft.com/office/2006/documentManagement/types"/>
-    <ds:schemaRef ds:uri="http://purl.org/dc/elements/1.1/"/>
-    <ds:schemaRef ds:uri="cb4d3b21-ccbf-4786-ba37-110921545913"/>
-    <ds:schemaRef ds:uri="http://www.w3.org/XML/1998/namespace"/>
-    <ds:schemaRef ds:uri="http://schemas.microsoft.com/office/infopath/2007/PartnerControls"/>
-    <ds:schemaRef ds:uri="http://schemas.microsoft.com/office/2006/metadata/properties"/>
-  </ds:schemaRefs>
-</ds:datastoreItem>
 </file>